--- a/CookieRun/PPT/쿠키런 1차 발표 목표 개발 범위 대비.pptx
+++ b/CookieRun/PPT/쿠키런 1차 발표 목표 개발 범위 대비.pptx
@@ -192,7 +192,7 @@
           <a:p>
             <a:fld id="{99BE150D-BE6F-40A8-AC3C-3A6BBDB0A9C0}" type="datetimeFigureOut">
               <a:rPr lang="ko-KR" altLang="en-US" smtClean="0"/>
-              <a:t>2016-12-20</a:t>
+              <a:t>2016-12-22</a:t>
             </a:fld>
             <a:endParaRPr lang="ko-KR" altLang="en-US"/>
           </a:p>
@@ -725,7 +725,7 @@
           <a:p>
             <a:fld id="{B3FE7B42-3F4C-4800-8BB9-8451EE8C148E}" type="datetimeFigureOut">
               <a:rPr lang="ko-KR" altLang="en-US" smtClean="0"/>
-              <a:t>2016-12-20</a:t>
+              <a:t>2016-12-22</a:t>
             </a:fld>
             <a:endParaRPr lang="ko-KR" altLang="en-US"/>
           </a:p>
@@ -895,7 +895,7 @@
           <a:p>
             <a:fld id="{B3FE7B42-3F4C-4800-8BB9-8451EE8C148E}" type="datetimeFigureOut">
               <a:rPr lang="ko-KR" altLang="en-US" smtClean="0"/>
-              <a:t>2016-12-20</a:t>
+              <a:t>2016-12-22</a:t>
             </a:fld>
             <a:endParaRPr lang="ko-KR" altLang="en-US"/>
           </a:p>
@@ -1075,7 +1075,7 @@
           <a:p>
             <a:fld id="{B3FE7B42-3F4C-4800-8BB9-8451EE8C148E}" type="datetimeFigureOut">
               <a:rPr lang="ko-KR" altLang="en-US" smtClean="0"/>
-              <a:t>2016-12-20</a:t>
+              <a:t>2016-12-22</a:t>
             </a:fld>
             <a:endParaRPr lang="ko-KR" altLang="en-US"/>
           </a:p>
@@ -1245,7 +1245,7 @@
           <a:p>
             <a:fld id="{B3FE7B42-3F4C-4800-8BB9-8451EE8C148E}" type="datetimeFigureOut">
               <a:rPr lang="ko-KR" altLang="en-US" smtClean="0"/>
-              <a:t>2016-12-20</a:t>
+              <a:t>2016-12-22</a:t>
             </a:fld>
             <a:endParaRPr lang="ko-KR" altLang="en-US"/>
           </a:p>
@@ -1491,7 +1491,7 @@
           <a:p>
             <a:fld id="{B3FE7B42-3F4C-4800-8BB9-8451EE8C148E}" type="datetimeFigureOut">
               <a:rPr lang="ko-KR" altLang="en-US" smtClean="0"/>
-              <a:t>2016-12-20</a:t>
+              <a:t>2016-12-22</a:t>
             </a:fld>
             <a:endParaRPr lang="ko-KR" altLang="en-US"/>
           </a:p>
@@ -1779,7 +1779,7 @@
           <a:p>
             <a:fld id="{B3FE7B42-3F4C-4800-8BB9-8451EE8C148E}" type="datetimeFigureOut">
               <a:rPr lang="ko-KR" altLang="en-US" smtClean="0"/>
-              <a:t>2016-12-20</a:t>
+              <a:t>2016-12-22</a:t>
             </a:fld>
             <a:endParaRPr lang="ko-KR" altLang="en-US"/>
           </a:p>
@@ -2201,7 +2201,7 @@
           <a:p>
             <a:fld id="{B3FE7B42-3F4C-4800-8BB9-8451EE8C148E}" type="datetimeFigureOut">
               <a:rPr lang="ko-KR" altLang="en-US" smtClean="0"/>
-              <a:t>2016-12-20</a:t>
+              <a:t>2016-12-22</a:t>
             </a:fld>
             <a:endParaRPr lang="ko-KR" altLang="en-US"/>
           </a:p>
@@ -2319,7 +2319,7 @@
           <a:p>
             <a:fld id="{B3FE7B42-3F4C-4800-8BB9-8451EE8C148E}" type="datetimeFigureOut">
               <a:rPr lang="ko-KR" altLang="en-US" smtClean="0"/>
-              <a:t>2016-12-20</a:t>
+              <a:t>2016-12-22</a:t>
             </a:fld>
             <a:endParaRPr lang="ko-KR" altLang="en-US"/>
           </a:p>
@@ -2414,7 +2414,7 @@
           <a:p>
             <a:fld id="{B3FE7B42-3F4C-4800-8BB9-8451EE8C148E}" type="datetimeFigureOut">
               <a:rPr lang="ko-KR" altLang="en-US" smtClean="0"/>
-              <a:t>2016-12-20</a:t>
+              <a:t>2016-12-22</a:t>
             </a:fld>
             <a:endParaRPr lang="ko-KR" altLang="en-US"/>
           </a:p>
@@ -2691,7 +2691,7 @@
           <a:p>
             <a:fld id="{B3FE7B42-3F4C-4800-8BB9-8451EE8C148E}" type="datetimeFigureOut">
               <a:rPr lang="ko-KR" altLang="en-US" smtClean="0"/>
-              <a:t>2016-12-20</a:t>
+              <a:t>2016-12-22</a:t>
             </a:fld>
             <a:endParaRPr lang="ko-KR" altLang="en-US"/>
           </a:p>
@@ -2944,7 +2944,7 @@
           <a:p>
             <a:fld id="{B3FE7B42-3F4C-4800-8BB9-8451EE8C148E}" type="datetimeFigureOut">
               <a:rPr lang="ko-KR" altLang="en-US" smtClean="0"/>
-              <a:t>2016-12-20</a:t>
+              <a:t>2016-12-22</a:t>
             </a:fld>
             <a:endParaRPr lang="ko-KR" altLang="en-US"/>
           </a:p>
@@ -3157,7 +3157,7 @@
           <a:p>
             <a:fld id="{B3FE7B42-3F4C-4800-8BB9-8451EE8C148E}" type="datetimeFigureOut">
               <a:rPr lang="ko-KR" altLang="en-US" smtClean="0"/>
-              <a:t>2016-12-20</a:t>
+              <a:t>2016-12-22</a:t>
             </a:fld>
             <a:endParaRPr lang="ko-KR" altLang="en-US"/>
           </a:p>
@@ -3599,14 +3599,14 @@
             <p:ph idx="1"/>
             <p:extLst>
               <p:ext uri="{D42A27DB-BD31-4B8C-83A1-F6EECF244321}">
-                <p14:modId xmlns:p14="http://schemas.microsoft.com/office/powerpoint/2010/main" val="2048957904"/>
+                <p14:modId xmlns:p14="http://schemas.microsoft.com/office/powerpoint/2010/main" val="1214212684"/>
               </p:ext>
             </p:extLst>
           </p:nvPr>
         </p:nvGraphicFramePr>
         <p:xfrm>
           <a:off x="251519" y="562047"/>
-          <a:ext cx="8640961" cy="6120875"/>
+          <a:ext cx="8640961" cy="6206921"/>
         </p:xfrm>
         <a:graphic>
           <a:graphicData uri="http://schemas.openxmlformats.org/drawingml/2006/table">
@@ -3743,6 +3743,7 @@
                         <a:rPr lang="ko-KR" altLang="en-US" sz="900" dirty="0" smtClean="0"/>
                         <a:t>키보드를 이용한 간단한 기술</a:t>
                       </a:r>
+                      <a:endParaRPr lang="ko-KR" altLang="en-US" sz="900" dirty="0" smtClean="0"/>
                     </a:p>
                   </a:txBody>
                   <a:tcPr/>
@@ -3780,11 +3781,7 @@
                       <a:pPr algn="ctr" latinLnBrk="1"/>
                       <a:r>
                         <a:rPr lang="ko-KR" altLang="en-US" sz="900" dirty="0" smtClean="0"/>
-                        <a:t>캐릭터 </a:t>
-                      </a:r>
-                      <a:r>
-                        <a:rPr lang="ko-KR" altLang="en-US" sz="900" dirty="0" smtClean="0"/>
-                        <a:t>기술</a:t>
+                        <a:t>캐릭터 기술</a:t>
                       </a:r>
                       <a:endParaRPr lang="ko-KR" altLang="en-US" sz="900" dirty="0"/>
                     </a:p>
@@ -3815,11 +3812,7 @@
                       </a:r>
                       <a:r>
                         <a:rPr lang="ko-KR" altLang="en-US" sz="900" baseline="0" dirty="0" smtClean="0"/>
-                        <a:t>키를 누르면 </a:t>
-                      </a:r>
-                      <a:r>
-                        <a:rPr lang="ko-KR" altLang="en-US" sz="900" baseline="0" dirty="0" smtClean="0"/>
-                        <a:t>점프</a:t>
+                        <a:t>키를 누르면 점프</a:t>
                       </a:r>
                       <a:endParaRPr lang="en-US" altLang="ko-KR" sz="900" baseline="0" dirty="0" smtClean="0"/>
                     </a:p>
@@ -4067,7 +4060,6 @@
                         <a:rPr lang="en-US" altLang="ko-KR" sz="900" dirty="0" smtClean="0"/>
                         <a:t>x</a:t>
                       </a:r>
-                      <a:endParaRPr lang="en-US" altLang="ko-KR" sz="900" dirty="0" smtClean="0"/>
                     </a:p>
                   </a:txBody>
                   <a:tcPr/>
@@ -4305,11 +4297,7 @@
                       <a:pPr latinLnBrk="1"/>
                       <a:r>
                         <a:rPr lang="ko-KR" altLang="en-US" sz="900" dirty="0" smtClean="0"/>
-                        <a:t>장애물과 충돌하면 </a:t>
-                      </a:r>
-                      <a:r>
-                        <a:rPr lang="ko-KR" altLang="en-US" sz="900" dirty="0" smtClean="0"/>
-                        <a:t>생명 감소</a:t>
+                        <a:t>장애물과 충돌하면 생명 감소</a:t>
                       </a:r>
                       <a:endParaRPr lang="ko-KR" altLang="en-US" sz="900" dirty="0"/>
                     </a:p>
@@ -4543,11 +4531,7 @@
                       <a:pPr latinLnBrk="1"/>
                       <a:r>
                         <a:rPr lang="ko-KR" altLang="en-US" sz="900" dirty="0" smtClean="0"/>
-                        <a:t>아이템을 </a:t>
-                      </a:r>
-                      <a:r>
-                        <a:rPr lang="ko-KR" altLang="en-US" sz="900" dirty="0" smtClean="0"/>
-                        <a:t>먹으면 점수 증가</a:t>
+                        <a:t>아이템을 먹으면 점수 증가</a:t>
                       </a:r>
                       <a:endParaRPr lang="en-US" altLang="ko-KR" sz="900" dirty="0" smtClean="0"/>
                     </a:p>
@@ -4875,11 +4859,7 @@
                       <a:pPr latinLnBrk="1"/>
                       <a:r>
                         <a:rPr lang="ko-KR" altLang="en-US" sz="900" dirty="0" smtClean="0"/>
-                        <a:t>캐릭터 </a:t>
-                      </a:r>
-                      <a:r>
-                        <a:rPr lang="ko-KR" altLang="en-US" sz="900" dirty="0" smtClean="0"/>
-                        <a:t>종류에 따른 </a:t>
+                        <a:t>캐릭터 종류에 따른 </a:t>
                       </a:r>
                       <a:r>
                         <a:rPr lang="ko-KR" altLang="en-US" sz="900" baseline="0" dirty="0" smtClean="0"/>
@@ -5175,7 +5155,19 @@
                       </a:r>
                       <a:r>
                         <a:rPr lang="ko-KR" altLang="en-US" sz="900" baseline="0" dirty="0" smtClean="0"/>
-                        <a:t> 움직임</a:t>
+                        <a:t> </a:t>
+                      </a:r>
+                      <a:r>
+                        <a:rPr lang="ko-KR" altLang="en-US" sz="900" baseline="0" dirty="0" smtClean="0"/>
+                        <a:t>움직임</a:t>
+                      </a:r>
+                      <a:endParaRPr lang="en-US" altLang="ko-KR" sz="900" baseline="0" dirty="0" smtClean="0"/>
+                    </a:p>
+                    <a:p>
+                      <a:pPr latinLnBrk="1"/>
+                      <a:r>
+                        <a:rPr lang="ko-KR" altLang="en-US" sz="900" baseline="0" dirty="0" smtClean="0"/>
+                        <a:t>장애물 충돌 시 화면 흔들림</a:t>
                       </a:r>
                       <a:endParaRPr lang="ko-KR" altLang="en-US" sz="900" dirty="0"/>
                     </a:p>
